--- a/遗传算法.pptx
+++ b/遗传算法.pptx
@@ -8113,7 +8113,29 @@
                 <a:ea typeface="微软雅黑" panose="020B0503020204020204" pitchFamily="34" charset="-122"/>
                 <a:sym typeface="微软雅黑" panose="020B0503020204020204" pitchFamily="34" charset="-122"/>
               </a:rPr>
-              <a:t>    for (int i = 0; i &lt; num; i++)</a:t>
+              <a:t>    for (int i = 0; i &lt; </a:t>
+            </a:r>
+            <a:r>
+              <a:rPr lang="en-US" sz="1200" dirty="0">
+                <a:solidFill>
+                  <a:schemeClr val="tx1"/>
+                </a:solidFill>
+                <a:latin typeface="微软雅黑" panose="020B0503020204020204" pitchFamily="34" charset="-122"/>
+                <a:ea typeface="微软雅黑" panose="020B0503020204020204" pitchFamily="34" charset="-122"/>
+                <a:sym typeface="微软雅黑" panose="020B0503020204020204" pitchFamily="34" charset="-122"/>
+              </a:rPr>
+              <a:t>N</a:t>
+            </a:r>
+            <a:r>
+              <a:rPr sz="1200" dirty="0">
+                <a:solidFill>
+                  <a:schemeClr val="tx1"/>
+                </a:solidFill>
+                <a:latin typeface="微软雅黑" panose="020B0503020204020204" pitchFamily="34" charset="-122"/>
+                <a:ea typeface="微软雅黑" panose="020B0503020204020204" pitchFamily="34" charset="-122"/>
+                <a:sym typeface="微软雅黑" panose="020B0503020204020204" pitchFamily="34" charset="-122"/>
+              </a:rPr>
+              <a:t>; i++)</a:t>
             </a:r>
             <a:endParaRPr sz="1200" dirty="0">
               <a:solidFill>
@@ -39761,7 +39783,29 @@
                 <a:ea typeface="微软雅黑" panose="020B0503020204020204" pitchFamily="34" charset="-122"/>
                 <a:sym typeface="微软雅黑" panose="020B0503020204020204" pitchFamily="34" charset="-122"/>
               </a:rPr>
-              <a:t>    for (int i = 0; i &lt; num; i++)</a:t>
+              <a:t>    for (int i = 0; i &lt; </a:t>
+            </a:r>
+            <a:r>
+              <a:rPr lang="en-US" sz="1200" dirty="0">
+                <a:solidFill>
+                  <a:schemeClr val="tx1"/>
+                </a:solidFill>
+                <a:latin typeface="微软雅黑" panose="020B0503020204020204" pitchFamily="34" charset="-122"/>
+                <a:ea typeface="微软雅黑" panose="020B0503020204020204" pitchFamily="34" charset="-122"/>
+                <a:sym typeface="微软雅黑" panose="020B0503020204020204" pitchFamily="34" charset="-122"/>
+              </a:rPr>
+              <a:t>N</a:t>
+            </a:r>
+            <a:r>
+              <a:rPr sz="1200" dirty="0">
+                <a:solidFill>
+                  <a:schemeClr val="tx1"/>
+                </a:solidFill>
+                <a:latin typeface="微软雅黑" panose="020B0503020204020204" pitchFamily="34" charset="-122"/>
+                <a:ea typeface="微软雅黑" panose="020B0503020204020204" pitchFamily="34" charset="-122"/>
+                <a:sym typeface="微软雅黑" panose="020B0503020204020204" pitchFamily="34" charset="-122"/>
+              </a:rPr>
+              <a:t>; i++)</a:t>
             </a:r>
             <a:endParaRPr sz="1200" dirty="0">
               <a:solidFill>
@@ -44731,7 +44775,29 @@
                 <a:ea typeface="微软雅黑" panose="020B0503020204020204" pitchFamily="34" charset="-122"/>
                 <a:sym typeface="微软雅黑" panose="020B0503020204020204" pitchFamily="34" charset="-122"/>
               </a:rPr>
-              <a:t>static int PopSize= 50;             //种群大小</a:t>
+              <a:t>static int PopSize= </a:t>
+            </a:r>
+            <a:r>
+              <a:rPr lang="en-US" altLang="zh-CN" sz="1200" dirty="0">
+                <a:solidFill>
+                  <a:schemeClr val="tx1"/>
+                </a:solidFill>
+                <a:latin typeface="微软雅黑" panose="020B0503020204020204" pitchFamily="34" charset="-122"/>
+                <a:ea typeface="微软雅黑" panose="020B0503020204020204" pitchFamily="34" charset="-122"/>
+                <a:sym typeface="微软雅黑" panose="020B0503020204020204" pitchFamily="34" charset="-122"/>
+              </a:rPr>
+              <a:t>20</a:t>
+            </a:r>
+            <a:r>
+              <a:rPr lang="zh-CN" altLang="en-US" sz="1200" dirty="0">
+                <a:solidFill>
+                  <a:schemeClr val="tx1"/>
+                </a:solidFill>
+                <a:latin typeface="微软雅黑" panose="020B0503020204020204" pitchFamily="34" charset="-122"/>
+                <a:ea typeface="微软雅黑" panose="020B0503020204020204" pitchFamily="34" charset="-122"/>
+                <a:sym typeface="微软雅黑" panose="020B0503020204020204" pitchFamily="34" charset="-122"/>
+              </a:rPr>
+              <a:t>;             //种群大小</a:t>
             </a:r>
             <a:endParaRPr lang="zh-CN" altLang="en-US" sz="1200" dirty="0">
               <a:solidFill>

--- a/遗传算法.pptx
+++ b/遗传算法.pptx
@@ -4709,7 +4709,7 @@
                 <a:ea typeface="微软雅黑" panose="020B0503020204020204" pitchFamily="34" charset="-122"/>
                 <a:sym typeface="微软雅黑" panose="020B0503020204020204" pitchFamily="34" charset="-122"/>
               </a:rPr>
-              <a:t>4</a:t>
+              <a:t>5</a:t>
             </a:r>
             <a:r>
               <a:rPr lang="zh-CN" altLang="en-US" sz="1500" dirty="0" smtClean="0">
